--- a/ppt 16-9/1577.给我一颗中国.pptx
+++ b/ppt 16-9/1577.给我一颗中国.pptx
@@ -5,7 +5,7 @@
     <p:sldMasterId id="2147483648" r:id="rId1"/>
   </p:sldMasterIdLst>
   <p:sldIdLst>
-    <p:sldId id="3432" r:id="rId2"/>
+    <p:sldId id="3433" r:id="rId2"/>
   </p:sldIdLst>
   <p:sldSz cx="12192000" cy="6858000"/>
   <p:notesSz cx="6858000" cy="9144000"/>
@@ -129,7 +129,7 @@
           <p:cNvPr id="2" name="标题 1">
             <a:extLst>
               <a:ext uri="{FF2B5EF4-FFF2-40B4-BE49-F238E27FC236}">
-                <a16:creationId xmlns:a16="http://schemas.microsoft.com/office/drawing/2014/main" id="{C22E64C8-9CED-107F-5274-E1B91CC960BA}"/>
+                <a16:creationId xmlns:a16="http://schemas.microsoft.com/office/drawing/2014/main" id="{BEDAAD73-9E96-7951-454D-65FCCD72D77A}"/>
               </a:ext>
             </a:extLst>
           </p:cNvPr>
@@ -166,7 +166,7 @@
           <p:cNvPr id="3" name="副标题 2">
             <a:extLst>
               <a:ext uri="{FF2B5EF4-FFF2-40B4-BE49-F238E27FC236}">
-                <a16:creationId xmlns:a16="http://schemas.microsoft.com/office/drawing/2014/main" id="{083A4C9D-E1D7-E50F-26B9-1A9DB468FB46}"/>
+                <a16:creationId xmlns:a16="http://schemas.microsoft.com/office/drawing/2014/main" id="{708B3A53-1908-58E0-27EB-7DA99666EC7E}"/>
               </a:ext>
             </a:extLst>
           </p:cNvPr>
@@ -236,7 +236,7 @@
           <p:cNvPr id="4" name="日期占位符 3">
             <a:extLst>
               <a:ext uri="{FF2B5EF4-FFF2-40B4-BE49-F238E27FC236}">
-                <a16:creationId xmlns:a16="http://schemas.microsoft.com/office/drawing/2014/main" id="{9B6D97F4-6367-630C-21C3-F77C11AC2073}"/>
+                <a16:creationId xmlns:a16="http://schemas.microsoft.com/office/drawing/2014/main" id="{5F1C2CC4-AAB4-399A-D824-95C823D6DBA1}"/>
               </a:ext>
             </a:extLst>
           </p:cNvPr>
@@ -252,7 +252,7 @@
           <a:bodyPr/>
           <a:lstStyle/>
           <a:p>
-            <a:fld id="{DAB23575-57D3-4BB6-8263-08F30363CF8D}" type="datetimeFigureOut">
+            <a:fld id="{41681B31-FB05-48AD-9364-72D272D14C95}" type="datetimeFigureOut">
               <a:rPr lang="zh-CN" altLang="en-US" smtClean="0"/>
               <a:t>2024/3/10</a:t>
             </a:fld>
@@ -265,7 +265,7 @@
           <p:cNvPr id="5" name="页脚占位符 4">
             <a:extLst>
               <a:ext uri="{FF2B5EF4-FFF2-40B4-BE49-F238E27FC236}">
-                <a16:creationId xmlns:a16="http://schemas.microsoft.com/office/drawing/2014/main" id="{9277DF04-BE5F-9F99-A1B4-9A1D28E8E489}"/>
+                <a16:creationId xmlns:a16="http://schemas.microsoft.com/office/drawing/2014/main" id="{890773BB-AAE9-1877-4ED4-9BF045B87777}"/>
               </a:ext>
             </a:extLst>
           </p:cNvPr>
@@ -290,7 +290,7 @@
           <p:cNvPr id="6" name="灯片编号占位符 5">
             <a:extLst>
               <a:ext uri="{FF2B5EF4-FFF2-40B4-BE49-F238E27FC236}">
-                <a16:creationId xmlns:a16="http://schemas.microsoft.com/office/drawing/2014/main" id="{3CA0C75B-3DA4-57DA-D727-F88C74F245F1}"/>
+                <a16:creationId xmlns:a16="http://schemas.microsoft.com/office/drawing/2014/main" id="{87DF689B-453F-8A59-CF2E-766FE6848661}"/>
               </a:ext>
             </a:extLst>
           </p:cNvPr>
@@ -306,7 +306,7 @@
           <a:bodyPr/>
           <a:lstStyle/>
           <a:p>
-            <a:fld id="{3DD81605-A0A2-4C32-9722-86D1CC312AD7}" type="slidenum">
+            <a:fld id="{626FEDC3-6114-486B-A834-EDB2A65B229C}" type="slidenum">
               <a:rPr lang="zh-CN" altLang="en-US" smtClean="0"/>
               <a:t>‹#›</a:t>
             </a:fld>
@@ -317,7 +317,7 @@
     </p:spTree>
     <p:extLst>
       <p:ext uri="{BB962C8B-B14F-4D97-AF65-F5344CB8AC3E}">
-        <p14:creationId xmlns:p14="http://schemas.microsoft.com/office/powerpoint/2010/main" val="2613316238"/>
+        <p14:creationId xmlns:p14="http://schemas.microsoft.com/office/powerpoint/2010/main" val="2789215092"/>
       </p:ext>
     </p:extLst>
   </p:cSld>
@@ -349,7 +349,7 @@
           <p:cNvPr id="2" name="标题 1">
             <a:extLst>
               <a:ext uri="{FF2B5EF4-FFF2-40B4-BE49-F238E27FC236}">
-                <a16:creationId xmlns:a16="http://schemas.microsoft.com/office/drawing/2014/main" id="{81558D37-572D-7D3D-90FA-7E8501C51048}"/>
+                <a16:creationId xmlns:a16="http://schemas.microsoft.com/office/drawing/2014/main" id="{52F1B14D-69A7-9FE8-EBC1-955B535446A1}"/>
               </a:ext>
             </a:extLst>
           </p:cNvPr>
@@ -377,7 +377,7 @@
           <p:cNvPr id="3" name="竖排文字占位符 2">
             <a:extLst>
               <a:ext uri="{FF2B5EF4-FFF2-40B4-BE49-F238E27FC236}">
-                <a16:creationId xmlns:a16="http://schemas.microsoft.com/office/drawing/2014/main" id="{42F806AA-03BA-120C-D226-9A79478273D5}"/>
+                <a16:creationId xmlns:a16="http://schemas.microsoft.com/office/drawing/2014/main" id="{1E1EF903-5764-E898-8896-4D3FE05340B1}"/>
               </a:ext>
             </a:extLst>
           </p:cNvPr>
@@ -434,7 +434,7 @@
           <p:cNvPr id="4" name="日期占位符 3">
             <a:extLst>
               <a:ext uri="{FF2B5EF4-FFF2-40B4-BE49-F238E27FC236}">
-                <a16:creationId xmlns:a16="http://schemas.microsoft.com/office/drawing/2014/main" id="{2CDF6C94-515A-BF21-A6D2-2C06C379DD7B}"/>
+                <a16:creationId xmlns:a16="http://schemas.microsoft.com/office/drawing/2014/main" id="{BE88C7B9-41AE-DF02-643A-9B72C2F52358}"/>
               </a:ext>
             </a:extLst>
           </p:cNvPr>
@@ -450,7 +450,7 @@
           <a:bodyPr/>
           <a:lstStyle/>
           <a:p>
-            <a:fld id="{DAB23575-57D3-4BB6-8263-08F30363CF8D}" type="datetimeFigureOut">
+            <a:fld id="{41681B31-FB05-48AD-9364-72D272D14C95}" type="datetimeFigureOut">
               <a:rPr lang="zh-CN" altLang="en-US" smtClean="0"/>
               <a:t>2024/3/10</a:t>
             </a:fld>
@@ -463,7 +463,7 @@
           <p:cNvPr id="5" name="页脚占位符 4">
             <a:extLst>
               <a:ext uri="{FF2B5EF4-FFF2-40B4-BE49-F238E27FC236}">
-                <a16:creationId xmlns:a16="http://schemas.microsoft.com/office/drawing/2014/main" id="{D3987E24-5F27-BFDC-B9B7-FC534D819882}"/>
+                <a16:creationId xmlns:a16="http://schemas.microsoft.com/office/drawing/2014/main" id="{938CD8F0-9CE6-2B78-DDF9-D1962EBA78E0}"/>
               </a:ext>
             </a:extLst>
           </p:cNvPr>
@@ -488,7 +488,7 @@
           <p:cNvPr id="6" name="灯片编号占位符 5">
             <a:extLst>
               <a:ext uri="{FF2B5EF4-FFF2-40B4-BE49-F238E27FC236}">
-                <a16:creationId xmlns:a16="http://schemas.microsoft.com/office/drawing/2014/main" id="{1E365306-C51D-D586-79DD-98462804D3B4}"/>
+                <a16:creationId xmlns:a16="http://schemas.microsoft.com/office/drawing/2014/main" id="{1325D6FD-2C90-3B92-E3DB-D810C924C991}"/>
               </a:ext>
             </a:extLst>
           </p:cNvPr>
@@ -504,7 +504,7 @@
           <a:bodyPr/>
           <a:lstStyle/>
           <a:p>
-            <a:fld id="{3DD81605-A0A2-4C32-9722-86D1CC312AD7}" type="slidenum">
+            <a:fld id="{626FEDC3-6114-486B-A834-EDB2A65B229C}" type="slidenum">
               <a:rPr lang="zh-CN" altLang="en-US" smtClean="0"/>
               <a:t>‹#›</a:t>
             </a:fld>
@@ -515,7 +515,7 @@
     </p:spTree>
     <p:extLst>
       <p:ext uri="{BB962C8B-B14F-4D97-AF65-F5344CB8AC3E}">
-        <p14:creationId xmlns:p14="http://schemas.microsoft.com/office/powerpoint/2010/main" val="277033733"/>
+        <p14:creationId xmlns:p14="http://schemas.microsoft.com/office/powerpoint/2010/main" val="2381481728"/>
       </p:ext>
     </p:extLst>
   </p:cSld>
@@ -547,7 +547,7 @@
           <p:cNvPr id="2" name="竖排标题 1">
             <a:extLst>
               <a:ext uri="{FF2B5EF4-FFF2-40B4-BE49-F238E27FC236}">
-                <a16:creationId xmlns:a16="http://schemas.microsoft.com/office/drawing/2014/main" id="{179A971B-F0A0-D7A3-6897-002564E404B1}"/>
+                <a16:creationId xmlns:a16="http://schemas.microsoft.com/office/drawing/2014/main" id="{A587FE92-147C-8983-A014-9DF934B39E33}"/>
               </a:ext>
             </a:extLst>
           </p:cNvPr>
@@ -580,7 +580,7 @@
           <p:cNvPr id="3" name="竖排文字占位符 2">
             <a:extLst>
               <a:ext uri="{FF2B5EF4-FFF2-40B4-BE49-F238E27FC236}">
-                <a16:creationId xmlns:a16="http://schemas.microsoft.com/office/drawing/2014/main" id="{8C153C4A-F0A4-48F7-1ECB-9653EB17C8B0}"/>
+                <a16:creationId xmlns:a16="http://schemas.microsoft.com/office/drawing/2014/main" id="{351C96C1-576D-9F9C-6543-1FDE73EF1371}"/>
               </a:ext>
             </a:extLst>
           </p:cNvPr>
@@ -642,7 +642,7 @@
           <p:cNvPr id="4" name="日期占位符 3">
             <a:extLst>
               <a:ext uri="{FF2B5EF4-FFF2-40B4-BE49-F238E27FC236}">
-                <a16:creationId xmlns:a16="http://schemas.microsoft.com/office/drawing/2014/main" id="{089220AB-83C9-9A9A-1A54-8F14DEE1012D}"/>
+                <a16:creationId xmlns:a16="http://schemas.microsoft.com/office/drawing/2014/main" id="{642104C3-B1AA-2164-0FC3-9082209C1A33}"/>
               </a:ext>
             </a:extLst>
           </p:cNvPr>
@@ -658,7 +658,7 @@
           <a:bodyPr/>
           <a:lstStyle/>
           <a:p>
-            <a:fld id="{DAB23575-57D3-4BB6-8263-08F30363CF8D}" type="datetimeFigureOut">
+            <a:fld id="{41681B31-FB05-48AD-9364-72D272D14C95}" type="datetimeFigureOut">
               <a:rPr lang="zh-CN" altLang="en-US" smtClean="0"/>
               <a:t>2024/3/10</a:t>
             </a:fld>
@@ -671,7 +671,7 @@
           <p:cNvPr id="5" name="页脚占位符 4">
             <a:extLst>
               <a:ext uri="{FF2B5EF4-FFF2-40B4-BE49-F238E27FC236}">
-                <a16:creationId xmlns:a16="http://schemas.microsoft.com/office/drawing/2014/main" id="{6F4F8BF5-B84A-7646-9F35-10F34FB92795}"/>
+                <a16:creationId xmlns:a16="http://schemas.microsoft.com/office/drawing/2014/main" id="{F7481B74-03F9-2C1C-FB24-64DD8F6EE558}"/>
               </a:ext>
             </a:extLst>
           </p:cNvPr>
@@ -696,7 +696,7 @@
           <p:cNvPr id="6" name="灯片编号占位符 5">
             <a:extLst>
               <a:ext uri="{FF2B5EF4-FFF2-40B4-BE49-F238E27FC236}">
-                <a16:creationId xmlns:a16="http://schemas.microsoft.com/office/drawing/2014/main" id="{9F968330-A76B-1765-B736-C2CF85D34AA8}"/>
+                <a16:creationId xmlns:a16="http://schemas.microsoft.com/office/drawing/2014/main" id="{D2299582-5F01-181A-4431-8F23AFC728FD}"/>
               </a:ext>
             </a:extLst>
           </p:cNvPr>
@@ -712,7 +712,7 @@
           <a:bodyPr/>
           <a:lstStyle/>
           <a:p>
-            <a:fld id="{3DD81605-A0A2-4C32-9722-86D1CC312AD7}" type="slidenum">
+            <a:fld id="{626FEDC3-6114-486B-A834-EDB2A65B229C}" type="slidenum">
               <a:rPr lang="zh-CN" altLang="en-US" smtClean="0"/>
               <a:t>‹#›</a:t>
             </a:fld>
@@ -723,7 +723,7 @@
     </p:spTree>
     <p:extLst>
       <p:ext uri="{BB962C8B-B14F-4D97-AF65-F5344CB8AC3E}">
-        <p14:creationId xmlns:p14="http://schemas.microsoft.com/office/powerpoint/2010/main" val="1309060598"/>
+        <p14:creationId xmlns:p14="http://schemas.microsoft.com/office/powerpoint/2010/main" val="1306616260"/>
       </p:ext>
     </p:extLst>
   </p:cSld>
@@ -755,7 +755,7 @@
           <p:cNvPr id="2" name="标题 1">
             <a:extLst>
               <a:ext uri="{FF2B5EF4-FFF2-40B4-BE49-F238E27FC236}">
-                <a16:creationId xmlns:a16="http://schemas.microsoft.com/office/drawing/2014/main" id="{98BBCE26-677F-ACF1-B6FC-4B85CDE9D4C2}"/>
+                <a16:creationId xmlns:a16="http://schemas.microsoft.com/office/drawing/2014/main" id="{CBF15F8C-E967-903B-5151-44F5EAABD5B4}"/>
               </a:ext>
             </a:extLst>
           </p:cNvPr>
@@ -783,7 +783,7 @@
           <p:cNvPr id="3" name="内容占位符 2">
             <a:extLst>
               <a:ext uri="{FF2B5EF4-FFF2-40B4-BE49-F238E27FC236}">
-                <a16:creationId xmlns:a16="http://schemas.microsoft.com/office/drawing/2014/main" id="{B47B0F1E-53DA-858C-F267-16DF254FD349}"/>
+                <a16:creationId xmlns:a16="http://schemas.microsoft.com/office/drawing/2014/main" id="{9D07A620-AB19-9387-DF04-7B065EC9BF87}"/>
               </a:ext>
             </a:extLst>
           </p:cNvPr>
@@ -840,7 +840,7 @@
           <p:cNvPr id="4" name="日期占位符 3">
             <a:extLst>
               <a:ext uri="{FF2B5EF4-FFF2-40B4-BE49-F238E27FC236}">
-                <a16:creationId xmlns:a16="http://schemas.microsoft.com/office/drawing/2014/main" id="{F60C0617-A6C2-E53D-8A11-5348C8C958F3}"/>
+                <a16:creationId xmlns:a16="http://schemas.microsoft.com/office/drawing/2014/main" id="{71FD0443-BBC0-AA37-5FEE-54CA4673A811}"/>
               </a:ext>
             </a:extLst>
           </p:cNvPr>
@@ -856,7 +856,7 @@
           <a:bodyPr/>
           <a:lstStyle/>
           <a:p>
-            <a:fld id="{DAB23575-57D3-4BB6-8263-08F30363CF8D}" type="datetimeFigureOut">
+            <a:fld id="{41681B31-FB05-48AD-9364-72D272D14C95}" type="datetimeFigureOut">
               <a:rPr lang="zh-CN" altLang="en-US" smtClean="0"/>
               <a:t>2024/3/10</a:t>
             </a:fld>
@@ -869,7 +869,7 @@
           <p:cNvPr id="5" name="页脚占位符 4">
             <a:extLst>
               <a:ext uri="{FF2B5EF4-FFF2-40B4-BE49-F238E27FC236}">
-                <a16:creationId xmlns:a16="http://schemas.microsoft.com/office/drawing/2014/main" id="{177AE64A-DAB1-2428-4711-26E9F9A4767B}"/>
+                <a16:creationId xmlns:a16="http://schemas.microsoft.com/office/drawing/2014/main" id="{81788DE6-EB84-6CB5-DBAA-ACB209CF0F09}"/>
               </a:ext>
             </a:extLst>
           </p:cNvPr>
@@ -894,7 +894,7 @@
           <p:cNvPr id="6" name="灯片编号占位符 5">
             <a:extLst>
               <a:ext uri="{FF2B5EF4-FFF2-40B4-BE49-F238E27FC236}">
-                <a16:creationId xmlns:a16="http://schemas.microsoft.com/office/drawing/2014/main" id="{88037E3A-8591-F52D-B9BD-6BA9AC933681}"/>
+                <a16:creationId xmlns:a16="http://schemas.microsoft.com/office/drawing/2014/main" id="{B1BE3F37-61D6-E60D-8A54-89496B6BCC27}"/>
               </a:ext>
             </a:extLst>
           </p:cNvPr>
@@ -910,7 +910,7 @@
           <a:bodyPr/>
           <a:lstStyle/>
           <a:p>
-            <a:fld id="{3DD81605-A0A2-4C32-9722-86D1CC312AD7}" type="slidenum">
+            <a:fld id="{626FEDC3-6114-486B-A834-EDB2A65B229C}" type="slidenum">
               <a:rPr lang="zh-CN" altLang="en-US" smtClean="0"/>
               <a:t>‹#›</a:t>
             </a:fld>
@@ -921,7 +921,7 @@
     </p:spTree>
     <p:extLst>
       <p:ext uri="{BB962C8B-B14F-4D97-AF65-F5344CB8AC3E}">
-        <p14:creationId xmlns:p14="http://schemas.microsoft.com/office/powerpoint/2010/main" val="607597228"/>
+        <p14:creationId xmlns:p14="http://schemas.microsoft.com/office/powerpoint/2010/main" val="757896527"/>
       </p:ext>
     </p:extLst>
   </p:cSld>
@@ -953,7 +953,7 @@
           <p:cNvPr id="2" name="标题 1">
             <a:extLst>
               <a:ext uri="{FF2B5EF4-FFF2-40B4-BE49-F238E27FC236}">
-                <a16:creationId xmlns:a16="http://schemas.microsoft.com/office/drawing/2014/main" id="{0D34CFF7-630D-E422-E5E0-A3EBAEC9DC1E}"/>
+                <a16:creationId xmlns:a16="http://schemas.microsoft.com/office/drawing/2014/main" id="{DDCF8E3A-9EB7-57E1-FFD3-849E43E646F8}"/>
               </a:ext>
             </a:extLst>
           </p:cNvPr>
@@ -990,7 +990,7 @@
           <p:cNvPr id="3" name="文本占位符 2">
             <a:extLst>
               <a:ext uri="{FF2B5EF4-FFF2-40B4-BE49-F238E27FC236}">
-                <a16:creationId xmlns:a16="http://schemas.microsoft.com/office/drawing/2014/main" id="{C0E3D78A-C283-CB95-7AF4-642F0E2420D9}"/>
+                <a16:creationId xmlns:a16="http://schemas.microsoft.com/office/drawing/2014/main" id="{00E48620-08B3-C957-1E4D-BA4F65E242D8}"/>
               </a:ext>
             </a:extLst>
           </p:cNvPr>
@@ -1115,7 +1115,7 @@
           <p:cNvPr id="4" name="日期占位符 3">
             <a:extLst>
               <a:ext uri="{FF2B5EF4-FFF2-40B4-BE49-F238E27FC236}">
-                <a16:creationId xmlns:a16="http://schemas.microsoft.com/office/drawing/2014/main" id="{222A2DA6-4755-D745-E8A4-DCEB0AF696AB}"/>
+                <a16:creationId xmlns:a16="http://schemas.microsoft.com/office/drawing/2014/main" id="{4D4F129D-9869-CF15-6F8B-7BA33230197C}"/>
               </a:ext>
             </a:extLst>
           </p:cNvPr>
@@ -1131,7 +1131,7 @@
           <a:bodyPr/>
           <a:lstStyle/>
           <a:p>
-            <a:fld id="{DAB23575-57D3-4BB6-8263-08F30363CF8D}" type="datetimeFigureOut">
+            <a:fld id="{41681B31-FB05-48AD-9364-72D272D14C95}" type="datetimeFigureOut">
               <a:rPr lang="zh-CN" altLang="en-US" smtClean="0"/>
               <a:t>2024/3/10</a:t>
             </a:fld>
@@ -1144,7 +1144,7 @@
           <p:cNvPr id="5" name="页脚占位符 4">
             <a:extLst>
               <a:ext uri="{FF2B5EF4-FFF2-40B4-BE49-F238E27FC236}">
-                <a16:creationId xmlns:a16="http://schemas.microsoft.com/office/drawing/2014/main" id="{8E8DA30D-B8B3-C405-4EB6-A0E1D6DE2241}"/>
+                <a16:creationId xmlns:a16="http://schemas.microsoft.com/office/drawing/2014/main" id="{7535AD14-31E8-D9E6-7484-490529CCFECC}"/>
               </a:ext>
             </a:extLst>
           </p:cNvPr>
@@ -1169,7 +1169,7 @@
           <p:cNvPr id="6" name="灯片编号占位符 5">
             <a:extLst>
               <a:ext uri="{FF2B5EF4-FFF2-40B4-BE49-F238E27FC236}">
-                <a16:creationId xmlns:a16="http://schemas.microsoft.com/office/drawing/2014/main" id="{9D8745DE-2671-9EA4-D822-7BB45F612A16}"/>
+                <a16:creationId xmlns:a16="http://schemas.microsoft.com/office/drawing/2014/main" id="{E9348B5C-4517-97EC-79FF-FE994A0848D3}"/>
               </a:ext>
             </a:extLst>
           </p:cNvPr>
@@ -1185,7 +1185,7 @@
           <a:bodyPr/>
           <a:lstStyle/>
           <a:p>
-            <a:fld id="{3DD81605-A0A2-4C32-9722-86D1CC312AD7}" type="slidenum">
+            <a:fld id="{626FEDC3-6114-486B-A834-EDB2A65B229C}" type="slidenum">
               <a:rPr lang="zh-CN" altLang="en-US" smtClean="0"/>
               <a:t>‹#›</a:t>
             </a:fld>
@@ -1196,7 +1196,7 @@
     </p:spTree>
     <p:extLst>
       <p:ext uri="{BB962C8B-B14F-4D97-AF65-F5344CB8AC3E}">
-        <p14:creationId xmlns:p14="http://schemas.microsoft.com/office/powerpoint/2010/main" val="3917632446"/>
+        <p14:creationId xmlns:p14="http://schemas.microsoft.com/office/powerpoint/2010/main" val="1510806538"/>
       </p:ext>
     </p:extLst>
   </p:cSld>
@@ -1228,7 +1228,7 @@
           <p:cNvPr id="2" name="标题 1">
             <a:extLst>
               <a:ext uri="{FF2B5EF4-FFF2-40B4-BE49-F238E27FC236}">
-                <a16:creationId xmlns:a16="http://schemas.microsoft.com/office/drawing/2014/main" id="{BF3C1756-DFA3-B5F2-FE37-CCB240456D25}"/>
+                <a16:creationId xmlns:a16="http://schemas.microsoft.com/office/drawing/2014/main" id="{21EC0FB9-052B-5A39-2823-B5B41AE13F6F}"/>
               </a:ext>
             </a:extLst>
           </p:cNvPr>
@@ -1256,7 +1256,7 @@
           <p:cNvPr id="3" name="内容占位符 2">
             <a:extLst>
               <a:ext uri="{FF2B5EF4-FFF2-40B4-BE49-F238E27FC236}">
-                <a16:creationId xmlns:a16="http://schemas.microsoft.com/office/drawing/2014/main" id="{E605F3C1-44D8-17ED-A210-309835D8C51C}"/>
+                <a16:creationId xmlns:a16="http://schemas.microsoft.com/office/drawing/2014/main" id="{8AD637D6-5E25-4F90-AD74-4AFB574702EA}"/>
               </a:ext>
             </a:extLst>
           </p:cNvPr>
@@ -1318,7 +1318,7 @@
           <p:cNvPr id="4" name="内容占位符 3">
             <a:extLst>
               <a:ext uri="{FF2B5EF4-FFF2-40B4-BE49-F238E27FC236}">
-                <a16:creationId xmlns:a16="http://schemas.microsoft.com/office/drawing/2014/main" id="{F32BCDC1-96F4-4303-EBC0-4D6252836B4B}"/>
+                <a16:creationId xmlns:a16="http://schemas.microsoft.com/office/drawing/2014/main" id="{AA8638A5-8D75-37EA-8FB3-1298BBCA88AB}"/>
               </a:ext>
             </a:extLst>
           </p:cNvPr>
@@ -1380,7 +1380,7 @@
           <p:cNvPr id="5" name="日期占位符 4">
             <a:extLst>
               <a:ext uri="{FF2B5EF4-FFF2-40B4-BE49-F238E27FC236}">
-                <a16:creationId xmlns:a16="http://schemas.microsoft.com/office/drawing/2014/main" id="{84FD9576-DE19-2DCA-4795-1609E4ADFB53}"/>
+                <a16:creationId xmlns:a16="http://schemas.microsoft.com/office/drawing/2014/main" id="{9161E479-D592-4444-46D9-903853FF3DA1}"/>
               </a:ext>
             </a:extLst>
           </p:cNvPr>
@@ -1396,7 +1396,7 @@
           <a:bodyPr/>
           <a:lstStyle/>
           <a:p>
-            <a:fld id="{DAB23575-57D3-4BB6-8263-08F30363CF8D}" type="datetimeFigureOut">
+            <a:fld id="{41681B31-FB05-48AD-9364-72D272D14C95}" type="datetimeFigureOut">
               <a:rPr lang="zh-CN" altLang="en-US" smtClean="0"/>
               <a:t>2024/3/10</a:t>
             </a:fld>
@@ -1409,7 +1409,7 @@
           <p:cNvPr id="6" name="页脚占位符 5">
             <a:extLst>
               <a:ext uri="{FF2B5EF4-FFF2-40B4-BE49-F238E27FC236}">
-                <a16:creationId xmlns:a16="http://schemas.microsoft.com/office/drawing/2014/main" id="{559981A9-DB48-99F8-42DA-01F9A57138FA}"/>
+                <a16:creationId xmlns:a16="http://schemas.microsoft.com/office/drawing/2014/main" id="{CA438332-3DFC-ABAF-BC55-38B3CA58A40B}"/>
               </a:ext>
             </a:extLst>
           </p:cNvPr>
@@ -1434,7 +1434,7 @@
           <p:cNvPr id="7" name="灯片编号占位符 6">
             <a:extLst>
               <a:ext uri="{FF2B5EF4-FFF2-40B4-BE49-F238E27FC236}">
-                <a16:creationId xmlns:a16="http://schemas.microsoft.com/office/drawing/2014/main" id="{3E294D05-09F7-896B-B405-B0E44F3DC794}"/>
+                <a16:creationId xmlns:a16="http://schemas.microsoft.com/office/drawing/2014/main" id="{F9E82542-1F15-EC92-3BEA-4DD670BCE6FC}"/>
               </a:ext>
             </a:extLst>
           </p:cNvPr>
@@ -1450,7 +1450,7 @@
           <a:bodyPr/>
           <a:lstStyle/>
           <a:p>
-            <a:fld id="{3DD81605-A0A2-4C32-9722-86D1CC312AD7}" type="slidenum">
+            <a:fld id="{626FEDC3-6114-486B-A834-EDB2A65B229C}" type="slidenum">
               <a:rPr lang="zh-CN" altLang="en-US" smtClean="0"/>
               <a:t>‹#›</a:t>
             </a:fld>
@@ -1461,7 +1461,7 @@
     </p:spTree>
     <p:extLst>
       <p:ext uri="{BB962C8B-B14F-4D97-AF65-F5344CB8AC3E}">
-        <p14:creationId xmlns:p14="http://schemas.microsoft.com/office/powerpoint/2010/main" val="2041264573"/>
+        <p14:creationId xmlns:p14="http://schemas.microsoft.com/office/powerpoint/2010/main" val="4028829964"/>
       </p:ext>
     </p:extLst>
   </p:cSld>
@@ -1493,7 +1493,7 @@
           <p:cNvPr id="2" name="标题 1">
             <a:extLst>
               <a:ext uri="{FF2B5EF4-FFF2-40B4-BE49-F238E27FC236}">
-                <a16:creationId xmlns:a16="http://schemas.microsoft.com/office/drawing/2014/main" id="{77A860EF-84DC-5F58-CFAA-BD5B89B09604}"/>
+                <a16:creationId xmlns:a16="http://schemas.microsoft.com/office/drawing/2014/main" id="{AC2789EC-7622-A76A-34DF-0B61103EA613}"/>
               </a:ext>
             </a:extLst>
           </p:cNvPr>
@@ -1526,7 +1526,7 @@
           <p:cNvPr id="3" name="文本占位符 2">
             <a:extLst>
               <a:ext uri="{FF2B5EF4-FFF2-40B4-BE49-F238E27FC236}">
-                <a16:creationId xmlns:a16="http://schemas.microsoft.com/office/drawing/2014/main" id="{FB5D99E9-9CB3-A595-79A4-651A753589B0}"/>
+                <a16:creationId xmlns:a16="http://schemas.microsoft.com/office/drawing/2014/main" id="{1A9BAE90-92C5-CBA2-4372-5CE03C919886}"/>
               </a:ext>
             </a:extLst>
           </p:cNvPr>
@@ -1597,7 +1597,7 @@
           <p:cNvPr id="4" name="内容占位符 3">
             <a:extLst>
               <a:ext uri="{FF2B5EF4-FFF2-40B4-BE49-F238E27FC236}">
-                <a16:creationId xmlns:a16="http://schemas.microsoft.com/office/drawing/2014/main" id="{0A8B002C-6AC7-210B-EE38-FC5F569CAE36}"/>
+                <a16:creationId xmlns:a16="http://schemas.microsoft.com/office/drawing/2014/main" id="{615F0217-C87E-B9CE-11B3-9D7896AB3F3C}"/>
               </a:ext>
             </a:extLst>
           </p:cNvPr>
@@ -1659,7 +1659,7 @@
           <p:cNvPr id="5" name="文本占位符 4">
             <a:extLst>
               <a:ext uri="{FF2B5EF4-FFF2-40B4-BE49-F238E27FC236}">
-                <a16:creationId xmlns:a16="http://schemas.microsoft.com/office/drawing/2014/main" id="{04831310-8F81-7196-64DF-D0285F36E820}"/>
+                <a16:creationId xmlns:a16="http://schemas.microsoft.com/office/drawing/2014/main" id="{125E093D-3FFD-E4E9-F702-4D31FDD98766}"/>
               </a:ext>
             </a:extLst>
           </p:cNvPr>
@@ -1730,7 +1730,7 @@
           <p:cNvPr id="6" name="内容占位符 5">
             <a:extLst>
               <a:ext uri="{FF2B5EF4-FFF2-40B4-BE49-F238E27FC236}">
-                <a16:creationId xmlns:a16="http://schemas.microsoft.com/office/drawing/2014/main" id="{C15799F1-FE0F-2ECC-6E87-FEB9B5730E71}"/>
+                <a16:creationId xmlns:a16="http://schemas.microsoft.com/office/drawing/2014/main" id="{5702B3F0-CE9D-1E5C-F31B-3FE40818194B}"/>
               </a:ext>
             </a:extLst>
           </p:cNvPr>
@@ -1792,7 +1792,7 @@
           <p:cNvPr id="7" name="日期占位符 6">
             <a:extLst>
               <a:ext uri="{FF2B5EF4-FFF2-40B4-BE49-F238E27FC236}">
-                <a16:creationId xmlns:a16="http://schemas.microsoft.com/office/drawing/2014/main" id="{D189BBE7-12C8-53F0-25F7-E8680B8409FF}"/>
+                <a16:creationId xmlns:a16="http://schemas.microsoft.com/office/drawing/2014/main" id="{F2C7BBA8-C170-6B3E-53FE-2E6F3FE138BB}"/>
               </a:ext>
             </a:extLst>
           </p:cNvPr>
@@ -1808,7 +1808,7 @@
           <a:bodyPr/>
           <a:lstStyle/>
           <a:p>
-            <a:fld id="{DAB23575-57D3-4BB6-8263-08F30363CF8D}" type="datetimeFigureOut">
+            <a:fld id="{41681B31-FB05-48AD-9364-72D272D14C95}" type="datetimeFigureOut">
               <a:rPr lang="zh-CN" altLang="en-US" smtClean="0"/>
               <a:t>2024/3/10</a:t>
             </a:fld>
@@ -1821,7 +1821,7 @@
           <p:cNvPr id="8" name="页脚占位符 7">
             <a:extLst>
               <a:ext uri="{FF2B5EF4-FFF2-40B4-BE49-F238E27FC236}">
-                <a16:creationId xmlns:a16="http://schemas.microsoft.com/office/drawing/2014/main" id="{453C2B32-02D4-E66C-7D63-39FBAE2091E1}"/>
+                <a16:creationId xmlns:a16="http://schemas.microsoft.com/office/drawing/2014/main" id="{D2F2FDE9-8CF5-5DDA-0C45-C9CEDEF54951}"/>
               </a:ext>
             </a:extLst>
           </p:cNvPr>
@@ -1846,7 +1846,7 @@
           <p:cNvPr id="9" name="灯片编号占位符 8">
             <a:extLst>
               <a:ext uri="{FF2B5EF4-FFF2-40B4-BE49-F238E27FC236}">
-                <a16:creationId xmlns:a16="http://schemas.microsoft.com/office/drawing/2014/main" id="{0ACEFE1C-0319-1DC8-8762-C31F47EEDF25}"/>
+                <a16:creationId xmlns:a16="http://schemas.microsoft.com/office/drawing/2014/main" id="{6F570C15-9C31-2A7E-CF91-33A55B16CE41}"/>
               </a:ext>
             </a:extLst>
           </p:cNvPr>
@@ -1862,7 +1862,7 @@
           <a:bodyPr/>
           <a:lstStyle/>
           <a:p>
-            <a:fld id="{3DD81605-A0A2-4C32-9722-86D1CC312AD7}" type="slidenum">
+            <a:fld id="{626FEDC3-6114-486B-A834-EDB2A65B229C}" type="slidenum">
               <a:rPr lang="zh-CN" altLang="en-US" smtClean="0"/>
               <a:t>‹#›</a:t>
             </a:fld>
@@ -1873,7 +1873,7 @@
     </p:spTree>
     <p:extLst>
       <p:ext uri="{BB962C8B-B14F-4D97-AF65-F5344CB8AC3E}">
-        <p14:creationId xmlns:p14="http://schemas.microsoft.com/office/powerpoint/2010/main" val="3075235611"/>
+        <p14:creationId xmlns:p14="http://schemas.microsoft.com/office/powerpoint/2010/main" val="2091097320"/>
       </p:ext>
     </p:extLst>
   </p:cSld>
@@ -1905,7 +1905,7 @@
           <p:cNvPr id="2" name="标题 1">
             <a:extLst>
               <a:ext uri="{FF2B5EF4-FFF2-40B4-BE49-F238E27FC236}">
-                <a16:creationId xmlns:a16="http://schemas.microsoft.com/office/drawing/2014/main" id="{139D5890-9C7D-F2BE-E00C-6D68F7083DCE}"/>
+                <a16:creationId xmlns:a16="http://schemas.microsoft.com/office/drawing/2014/main" id="{07F95E1D-AC7A-C842-4C51-1032FC7FAEDE}"/>
               </a:ext>
             </a:extLst>
           </p:cNvPr>
@@ -1933,7 +1933,7 @@
           <p:cNvPr id="3" name="日期占位符 2">
             <a:extLst>
               <a:ext uri="{FF2B5EF4-FFF2-40B4-BE49-F238E27FC236}">
-                <a16:creationId xmlns:a16="http://schemas.microsoft.com/office/drawing/2014/main" id="{F3AB0089-7611-4B06-78D8-D4384C6FEF13}"/>
+                <a16:creationId xmlns:a16="http://schemas.microsoft.com/office/drawing/2014/main" id="{8D81D555-631C-D589-FBD2-FC96646C7AE9}"/>
               </a:ext>
             </a:extLst>
           </p:cNvPr>
@@ -1949,7 +1949,7 @@
           <a:bodyPr/>
           <a:lstStyle/>
           <a:p>
-            <a:fld id="{DAB23575-57D3-4BB6-8263-08F30363CF8D}" type="datetimeFigureOut">
+            <a:fld id="{41681B31-FB05-48AD-9364-72D272D14C95}" type="datetimeFigureOut">
               <a:rPr lang="zh-CN" altLang="en-US" smtClean="0"/>
               <a:t>2024/3/10</a:t>
             </a:fld>
@@ -1962,7 +1962,7 @@
           <p:cNvPr id="4" name="页脚占位符 3">
             <a:extLst>
               <a:ext uri="{FF2B5EF4-FFF2-40B4-BE49-F238E27FC236}">
-                <a16:creationId xmlns:a16="http://schemas.microsoft.com/office/drawing/2014/main" id="{DD92A511-F5E6-6AC8-F296-A8321F227B80}"/>
+                <a16:creationId xmlns:a16="http://schemas.microsoft.com/office/drawing/2014/main" id="{B047F2CB-4A81-8469-3A55-6143F7E30E4E}"/>
               </a:ext>
             </a:extLst>
           </p:cNvPr>
@@ -1987,7 +1987,7 @@
           <p:cNvPr id="5" name="灯片编号占位符 4">
             <a:extLst>
               <a:ext uri="{FF2B5EF4-FFF2-40B4-BE49-F238E27FC236}">
-                <a16:creationId xmlns:a16="http://schemas.microsoft.com/office/drawing/2014/main" id="{F4BE1AE4-5E9D-0629-C794-A0D864E4A008}"/>
+                <a16:creationId xmlns:a16="http://schemas.microsoft.com/office/drawing/2014/main" id="{5A90074E-A13E-0BA4-9DDC-3C8E9D7B26AC}"/>
               </a:ext>
             </a:extLst>
           </p:cNvPr>
@@ -2003,7 +2003,7 @@
           <a:bodyPr/>
           <a:lstStyle/>
           <a:p>
-            <a:fld id="{3DD81605-A0A2-4C32-9722-86D1CC312AD7}" type="slidenum">
+            <a:fld id="{626FEDC3-6114-486B-A834-EDB2A65B229C}" type="slidenum">
               <a:rPr lang="zh-CN" altLang="en-US" smtClean="0"/>
               <a:t>‹#›</a:t>
             </a:fld>
@@ -2014,7 +2014,7 @@
     </p:spTree>
     <p:extLst>
       <p:ext uri="{BB962C8B-B14F-4D97-AF65-F5344CB8AC3E}">
-        <p14:creationId xmlns:p14="http://schemas.microsoft.com/office/powerpoint/2010/main" val="2689773517"/>
+        <p14:creationId xmlns:p14="http://schemas.microsoft.com/office/powerpoint/2010/main" val="2075660625"/>
       </p:ext>
     </p:extLst>
   </p:cSld>
@@ -2046,7 +2046,7 @@
           <p:cNvPr id="2" name="日期占位符 1">
             <a:extLst>
               <a:ext uri="{FF2B5EF4-FFF2-40B4-BE49-F238E27FC236}">
-                <a16:creationId xmlns:a16="http://schemas.microsoft.com/office/drawing/2014/main" id="{BA32D1C0-C0CE-DA82-7876-5B9CAA1EA3F0}"/>
+                <a16:creationId xmlns:a16="http://schemas.microsoft.com/office/drawing/2014/main" id="{21C0A0F1-149F-E91A-8131-F2D436F66AF7}"/>
               </a:ext>
             </a:extLst>
           </p:cNvPr>
@@ -2062,7 +2062,7 @@
           <a:bodyPr/>
           <a:lstStyle/>
           <a:p>
-            <a:fld id="{DAB23575-57D3-4BB6-8263-08F30363CF8D}" type="datetimeFigureOut">
+            <a:fld id="{41681B31-FB05-48AD-9364-72D272D14C95}" type="datetimeFigureOut">
               <a:rPr lang="zh-CN" altLang="en-US" smtClean="0"/>
               <a:t>2024/3/10</a:t>
             </a:fld>
@@ -2075,7 +2075,7 @@
           <p:cNvPr id="3" name="页脚占位符 2">
             <a:extLst>
               <a:ext uri="{FF2B5EF4-FFF2-40B4-BE49-F238E27FC236}">
-                <a16:creationId xmlns:a16="http://schemas.microsoft.com/office/drawing/2014/main" id="{8CD629B0-930A-A6BD-AB26-360AB24A8740}"/>
+                <a16:creationId xmlns:a16="http://schemas.microsoft.com/office/drawing/2014/main" id="{1B99BE38-5CAA-A47E-CE2B-0D015827E3DD}"/>
               </a:ext>
             </a:extLst>
           </p:cNvPr>
@@ -2100,7 +2100,7 @@
           <p:cNvPr id="4" name="灯片编号占位符 3">
             <a:extLst>
               <a:ext uri="{FF2B5EF4-FFF2-40B4-BE49-F238E27FC236}">
-                <a16:creationId xmlns:a16="http://schemas.microsoft.com/office/drawing/2014/main" id="{7C6BDA9D-B86D-CB07-70F9-B28086066788}"/>
+                <a16:creationId xmlns:a16="http://schemas.microsoft.com/office/drawing/2014/main" id="{C592C376-F5A0-1FD4-E160-4448F520A682}"/>
               </a:ext>
             </a:extLst>
           </p:cNvPr>
@@ -2116,7 +2116,7 @@
           <a:bodyPr/>
           <a:lstStyle/>
           <a:p>
-            <a:fld id="{3DD81605-A0A2-4C32-9722-86D1CC312AD7}" type="slidenum">
+            <a:fld id="{626FEDC3-6114-486B-A834-EDB2A65B229C}" type="slidenum">
               <a:rPr lang="zh-CN" altLang="en-US" smtClean="0"/>
               <a:t>‹#›</a:t>
             </a:fld>
@@ -2127,7 +2127,7 @@
     </p:spTree>
     <p:extLst>
       <p:ext uri="{BB962C8B-B14F-4D97-AF65-F5344CB8AC3E}">
-        <p14:creationId xmlns:p14="http://schemas.microsoft.com/office/powerpoint/2010/main" val="2021707891"/>
+        <p14:creationId xmlns:p14="http://schemas.microsoft.com/office/powerpoint/2010/main" val="3009188850"/>
       </p:ext>
     </p:extLst>
   </p:cSld>
@@ -2159,7 +2159,7 @@
           <p:cNvPr id="2" name="标题 1">
             <a:extLst>
               <a:ext uri="{FF2B5EF4-FFF2-40B4-BE49-F238E27FC236}">
-                <a16:creationId xmlns:a16="http://schemas.microsoft.com/office/drawing/2014/main" id="{059DC3B0-11EF-C2D6-254A-75D443B3E401}"/>
+                <a16:creationId xmlns:a16="http://schemas.microsoft.com/office/drawing/2014/main" id="{586A0633-8054-A618-E833-CDEB39F0D254}"/>
               </a:ext>
             </a:extLst>
           </p:cNvPr>
@@ -2196,7 +2196,7 @@
           <p:cNvPr id="3" name="内容占位符 2">
             <a:extLst>
               <a:ext uri="{FF2B5EF4-FFF2-40B4-BE49-F238E27FC236}">
-                <a16:creationId xmlns:a16="http://schemas.microsoft.com/office/drawing/2014/main" id="{D87B5BEC-6063-6F65-A444-B631F7344659}"/>
+                <a16:creationId xmlns:a16="http://schemas.microsoft.com/office/drawing/2014/main" id="{A98CCBA5-FD80-D49D-925A-19C4D241E84D}"/>
               </a:ext>
             </a:extLst>
           </p:cNvPr>
@@ -2286,7 +2286,7 @@
           <p:cNvPr id="4" name="文本占位符 3">
             <a:extLst>
               <a:ext uri="{FF2B5EF4-FFF2-40B4-BE49-F238E27FC236}">
-                <a16:creationId xmlns:a16="http://schemas.microsoft.com/office/drawing/2014/main" id="{E1D7A525-47A5-9C6B-C0A5-8D27673D6D09}"/>
+                <a16:creationId xmlns:a16="http://schemas.microsoft.com/office/drawing/2014/main" id="{89BF69B7-5FFF-535C-4DD4-A8BDF80AEACD}"/>
               </a:ext>
             </a:extLst>
           </p:cNvPr>
@@ -2357,7 +2357,7 @@
           <p:cNvPr id="5" name="日期占位符 4">
             <a:extLst>
               <a:ext uri="{FF2B5EF4-FFF2-40B4-BE49-F238E27FC236}">
-                <a16:creationId xmlns:a16="http://schemas.microsoft.com/office/drawing/2014/main" id="{09C1B8D7-F6AE-73DD-C5C6-AC75B9770D86}"/>
+                <a16:creationId xmlns:a16="http://schemas.microsoft.com/office/drawing/2014/main" id="{69F725BB-DD69-C396-F27A-508AB4579A45}"/>
               </a:ext>
             </a:extLst>
           </p:cNvPr>
@@ -2373,7 +2373,7 @@
           <a:bodyPr/>
           <a:lstStyle/>
           <a:p>
-            <a:fld id="{DAB23575-57D3-4BB6-8263-08F30363CF8D}" type="datetimeFigureOut">
+            <a:fld id="{41681B31-FB05-48AD-9364-72D272D14C95}" type="datetimeFigureOut">
               <a:rPr lang="zh-CN" altLang="en-US" smtClean="0"/>
               <a:t>2024/3/10</a:t>
             </a:fld>
@@ -2386,7 +2386,7 @@
           <p:cNvPr id="6" name="页脚占位符 5">
             <a:extLst>
               <a:ext uri="{FF2B5EF4-FFF2-40B4-BE49-F238E27FC236}">
-                <a16:creationId xmlns:a16="http://schemas.microsoft.com/office/drawing/2014/main" id="{7CA138A3-FF36-C5B6-D8D1-FA12F4B1C42D}"/>
+                <a16:creationId xmlns:a16="http://schemas.microsoft.com/office/drawing/2014/main" id="{9399F8A2-3489-3C38-A05D-E884D1977303}"/>
               </a:ext>
             </a:extLst>
           </p:cNvPr>
@@ -2411,7 +2411,7 @@
           <p:cNvPr id="7" name="灯片编号占位符 6">
             <a:extLst>
               <a:ext uri="{FF2B5EF4-FFF2-40B4-BE49-F238E27FC236}">
-                <a16:creationId xmlns:a16="http://schemas.microsoft.com/office/drawing/2014/main" id="{D350E6E9-4B9B-7DAD-860A-463254BD722B}"/>
+                <a16:creationId xmlns:a16="http://schemas.microsoft.com/office/drawing/2014/main" id="{F0400C1D-A66D-376F-3EC8-669C1D7A08BB}"/>
               </a:ext>
             </a:extLst>
           </p:cNvPr>
@@ -2427,7 +2427,7 @@
           <a:bodyPr/>
           <a:lstStyle/>
           <a:p>
-            <a:fld id="{3DD81605-A0A2-4C32-9722-86D1CC312AD7}" type="slidenum">
+            <a:fld id="{626FEDC3-6114-486B-A834-EDB2A65B229C}" type="slidenum">
               <a:rPr lang="zh-CN" altLang="en-US" smtClean="0"/>
               <a:t>‹#›</a:t>
             </a:fld>
@@ -2438,7 +2438,7 @@
     </p:spTree>
     <p:extLst>
       <p:ext uri="{BB962C8B-B14F-4D97-AF65-F5344CB8AC3E}">
-        <p14:creationId xmlns:p14="http://schemas.microsoft.com/office/powerpoint/2010/main" val="2122286006"/>
+        <p14:creationId xmlns:p14="http://schemas.microsoft.com/office/powerpoint/2010/main" val="198349701"/>
       </p:ext>
     </p:extLst>
   </p:cSld>
@@ -2470,7 +2470,7 @@
           <p:cNvPr id="2" name="标题 1">
             <a:extLst>
               <a:ext uri="{FF2B5EF4-FFF2-40B4-BE49-F238E27FC236}">
-                <a16:creationId xmlns:a16="http://schemas.microsoft.com/office/drawing/2014/main" id="{A8C5CA35-5284-6EE8-BF60-3C07098ADE28}"/>
+                <a16:creationId xmlns:a16="http://schemas.microsoft.com/office/drawing/2014/main" id="{8C493133-32BC-69C8-BF72-D884924616E2}"/>
               </a:ext>
             </a:extLst>
           </p:cNvPr>
@@ -2507,7 +2507,7 @@
           <p:cNvPr id="3" name="图片占位符 2">
             <a:extLst>
               <a:ext uri="{FF2B5EF4-FFF2-40B4-BE49-F238E27FC236}">
-                <a16:creationId xmlns:a16="http://schemas.microsoft.com/office/drawing/2014/main" id="{F6F0E140-DC37-EF86-4494-6CC2A5D09F16}"/>
+                <a16:creationId xmlns:a16="http://schemas.microsoft.com/office/drawing/2014/main" id="{0E4B04A4-E937-1BA2-BD7D-8F294C3304F9}"/>
               </a:ext>
             </a:extLst>
           </p:cNvPr>
@@ -2574,7 +2574,7 @@
           <p:cNvPr id="4" name="文本占位符 3">
             <a:extLst>
               <a:ext uri="{FF2B5EF4-FFF2-40B4-BE49-F238E27FC236}">
-                <a16:creationId xmlns:a16="http://schemas.microsoft.com/office/drawing/2014/main" id="{A093071C-8326-A9D7-DD2E-5F79810171D8}"/>
+                <a16:creationId xmlns:a16="http://schemas.microsoft.com/office/drawing/2014/main" id="{9023E564-D427-3EA1-9F7E-EE8EF6E575EA}"/>
               </a:ext>
             </a:extLst>
           </p:cNvPr>
@@ -2645,7 +2645,7 @@
           <p:cNvPr id="5" name="日期占位符 4">
             <a:extLst>
               <a:ext uri="{FF2B5EF4-FFF2-40B4-BE49-F238E27FC236}">
-                <a16:creationId xmlns:a16="http://schemas.microsoft.com/office/drawing/2014/main" id="{ECD074F1-FD67-069C-3BFD-BBC3BBB5929C}"/>
+                <a16:creationId xmlns:a16="http://schemas.microsoft.com/office/drawing/2014/main" id="{DF230D88-2885-D355-4675-DB9CD0A9BEF2}"/>
               </a:ext>
             </a:extLst>
           </p:cNvPr>
@@ -2661,7 +2661,7 @@
           <a:bodyPr/>
           <a:lstStyle/>
           <a:p>
-            <a:fld id="{DAB23575-57D3-4BB6-8263-08F30363CF8D}" type="datetimeFigureOut">
+            <a:fld id="{41681B31-FB05-48AD-9364-72D272D14C95}" type="datetimeFigureOut">
               <a:rPr lang="zh-CN" altLang="en-US" smtClean="0"/>
               <a:t>2024/3/10</a:t>
             </a:fld>
@@ -2674,7 +2674,7 @@
           <p:cNvPr id="6" name="页脚占位符 5">
             <a:extLst>
               <a:ext uri="{FF2B5EF4-FFF2-40B4-BE49-F238E27FC236}">
-                <a16:creationId xmlns:a16="http://schemas.microsoft.com/office/drawing/2014/main" id="{9AC5B6DD-0B30-0A7B-0F26-954F80DA748F}"/>
+                <a16:creationId xmlns:a16="http://schemas.microsoft.com/office/drawing/2014/main" id="{01C49D9F-4D5D-32D4-E9E4-986BCC65648F}"/>
               </a:ext>
             </a:extLst>
           </p:cNvPr>
@@ -2699,7 +2699,7 @@
           <p:cNvPr id="7" name="灯片编号占位符 6">
             <a:extLst>
               <a:ext uri="{FF2B5EF4-FFF2-40B4-BE49-F238E27FC236}">
-                <a16:creationId xmlns:a16="http://schemas.microsoft.com/office/drawing/2014/main" id="{1D9A9F60-45DD-7625-5CF6-03767432BB59}"/>
+                <a16:creationId xmlns:a16="http://schemas.microsoft.com/office/drawing/2014/main" id="{809D0D1F-6045-D2C2-B73C-4A6FCFFBE9CF}"/>
               </a:ext>
             </a:extLst>
           </p:cNvPr>
@@ -2715,7 +2715,7 @@
           <a:bodyPr/>
           <a:lstStyle/>
           <a:p>
-            <a:fld id="{3DD81605-A0A2-4C32-9722-86D1CC312AD7}" type="slidenum">
+            <a:fld id="{626FEDC3-6114-486B-A834-EDB2A65B229C}" type="slidenum">
               <a:rPr lang="zh-CN" altLang="en-US" smtClean="0"/>
               <a:t>‹#›</a:t>
             </a:fld>
@@ -2726,7 +2726,7 @@
     </p:spTree>
     <p:extLst>
       <p:ext uri="{BB962C8B-B14F-4D97-AF65-F5344CB8AC3E}">
-        <p14:creationId xmlns:p14="http://schemas.microsoft.com/office/powerpoint/2010/main" val="3868378717"/>
+        <p14:creationId xmlns:p14="http://schemas.microsoft.com/office/powerpoint/2010/main" val="2861881383"/>
       </p:ext>
     </p:extLst>
   </p:cSld>
@@ -2763,7 +2763,7 @@
           <p:cNvPr id="2" name="标题占位符 1">
             <a:extLst>
               <a:ext uri="{FF2B5EF4-FFF2-40B4-BE49-F238E27FC236}">
-                <a16:creationId xmlns:a16="http://schemas.microsoft.com/office/drawing/2014/main" id="{F3FC7543-1491-D3C3-318F-34099ED4DE24}"/>
+                <a16:creationId xmlns:a16="http://schemas.microsoft.com/office/drawing/2014/main" id="{FCD8D109-152E-EA97-D86D-380066A8178C}"/>
               </a:ext>
             </a:extLst>
           </p:cNvPr>
@@ -2801,7 +2801,7 @@
           <p:cNvPr id="3" name="文本占位符 2">
             <a:extLst>
               <a:ext uri="{FF2B5EF4-FFF2-40B4-BE49-F238E27FC236}">
-                <a16:creationId xmlns:a16="http://schemas.microsoft.com/office/drawing/2014/main" id="{1C970690-3014-8A4E-048A-4DAF02643605}"/>
+                <a16:creationId xmlns:a16="http://schemas.microsoft.com/office/drawing/2014/main" id="{7C3EE339-DAA8-F43F-DA17-7325CB2B8084}"/>
               </a:ext>
             </a:extLst>
           </p:cNvPr>
@@ -2868,7 +2868,7 @@
           <p:cNvPr id="4" name="日期占位符 3">
             <a:extLst>
               <a:ext uri="{FF2B5EF4-FFF2-40B4-BE49-F238E27FC236}">
-                <a16:creationId xmlns:a16="http://schemas.microsoft.com/office/drawing/2014/main" id="{7F4BC232-21FC-EE95-7D05-1485E4A08491}"/>
+                <a16:creationId xmlns:a16="http://schemas.microsoft.com/office/drawing/2014/main" id="{0AE06E8F-8615-F443-14A5-8DCD6BA974DB}"/>
               </a:ext>
             </a:extLst>
           </p:cNvPr>
@@ -2902,7 +2902,7 @@
             </a:lvl1pPr>
           </a:lstStyle>
           <a:p>
-            <a:fld id="{DAB23575-57D3-4BB6-8263-08F30363CF8D}" type="datetimeFigureOut">
+            <a:fld id="{41681B31-FB05-48AD-9364-72D272D14C95}" type="datetimeFigureOut">
               <a:rPr lang="zh-CN" altLang="en-US" smtClean="0"/>
               <a:t>2024/3/10</a:t>
             </a:fld>
@@ -2915,7 +2915,7 @@
           <p:cNvPr id="5" name="页脚占位符 4">
             <a:extLst>
               <a:ext uri="{FF2B5EF4-FFF2-40B4-BE49-F238E27FC236}">
-                <a16:creationId xmlns:a16="http://schemas.microsoft.com/office/drawing/2014/main" id="{1B0C3439-1F3C-D1FA-27D2-4B3945591202}"/>
+                <a16:creationId xmlns:a16="http://schemas.microsoft.com/office/drawing/2014/main" id="{CF433E48-A5DE-3ECF-FCD6-FE94A863EEB0}"/>
               </a:ext>
             </a:extLst>
           </p:cNvPr>
@@ -2958,7 +2958,7 @@
           <p:cNvPr id="6" name="灯片编号占位符 5">
             <a:extLst>
               <a:ext uri="{FF2B5EF4-FFF2-40B4-BE49-F238E27FC236}">
-                <a16:creationId xmlns:a16="http://schemas.microsoft.com/office/drawing/2014/main" id="{CFB077A9-E5DF-3B18-AF22-7639A87CBC97}"/>
+                <a16:creationId xmlns:a16="http://schemas.microsoft.com/office/drawing/2014/main" id="{B2B0EB8A-7597-BB8C-6949-3414F8A2D9D7}"/>
               </a:ext>
             </a:extLst>
           </p:cNvPr>
@@ -2992,7 +2992,7 @@
             </a:lvl1pPr>
           </a:lstStyle>
           <a:p>
-            <a:fld id="{3DD81605-A0A2-4C32-9722-86D1CC312AD7}" type="slidenum">
+            <a:fld id="{626FEDC3-6114-486B-A834-EDB2A65B229C}" type="slidenum">
               <a:rPr lang="zh-CN" altLang="en-US" smtClean="0"/>
               <a:t>‹#›</a:t>
             </a:fld>
@@ -3003,7 +3003,7 @@
     </p:spTree>
     <p:extLst>
       <p:ext uri="{BB962C8B-B14F-4D97-AF65-F5344CB8AC3E}">
-        <p14:creationId xmlns:p14="http://schemas.microsoft.com/office/powerpoint/2010/main" val="2221769470"/>
+        <p14:creationId xmlns:p14="http://schemas.microsoft.com/office/powerpoint/2010/main" val="4069037677"/>
       </p:ext>
     </p:extLst>
   </p:cSld>
@@ -3323,7 +3323,7 @@
       </p:grpSpPr>
       <p:pic>
         <p:nvPicPr>
-          <p:cNvPr id="1614850" name="Picture 2" descr="1576"/>
+          <p:cNvPr id="1615874" name="Picture 2" descr="1577"/>
           <p:cNvPicPr>
             <a:picLocks noChangeAspect="1" noChangeArrowheads="1"/>
           </p:cNvPicPr>
@@ -3344,8 +3344,8 @@
         </p:blipFill>
         <p:spPr bwMode="auto">
           <a:xfrm>
-            <a:off x="1524001" y="0"/>
-            <a:ext cx="9053513" cy="6789738"/>
+            <a:off x="1543050" y="14288"/>
+            <a:ext cx="9124950" cy="6843712"/>
           </a:xfrm>
           <a:prstGeom prst="rect">
             <a:avLst/>
